--- a/Название проекта « Тетрис».pptx
+++ b/Название проекта « Тетрис».pptx
@@ -342,7 +342,7 @@
           <a:p>
             <a:fld id="{1D723CC4-A043-4174-9E7E-F31E8825CB11}" type="datetimeFigureOut">
               <a:rPr lang="ru-RU" smtClean="0"/>
-              <a:t>15.01.2022</a:t>
+              <a:t>17.01.2022</a:t>
             </a:fld>
             <a:endParaRPr lang="ru-RU"/>
           </a:p>
@@ -555,7 +555,7 @@
           <a:p>
             <a:fld id="{1D723CC4-A043-4174-9E7E-F31E8825CB11}" type="datetimeFigureOut">
               <a:rPr lang="ru-RU" smtClean="0"/>
-              <a:t>15.01.2022</a:t>
+              <a:t>17.01.2022</a:t>
             </a:fld>
             <a:endParaRPr lang="ru-RU"/>
           </a:p>
@@ -730,7 +730,7 @@
           <a:p>
             <a:fld id="{1D723CC4-A043-4174-9E7E-F31E8825CB11}" type="datetimeFigureOut">
               <a:rPr lang="ru-RU" smtClean="0"/>
-              <a:t>15.01.2022</a:t>
+              <a:t>17.01.2022</a:t>
             </a:fld>
             <a:endParaRPr lang="ru-RU"/>
           </a:p>
@@ -895,7 +895,7 @@
           <a:p>
             <a:fld id="{1D723CC4-A043-4174-9E7E-F31E8825CB11}" type="datetimeFigureOut">
               <a:rPr lang="ru-RU" smtClean="0"/>
-              <a:t>15.01.2022</a:t>
+              <a:t>17.01.2022</a:t>
             </a:fld>
             <a:endParaRPr lang="ru-RU"/>
           </a:p>
@@ -1179,7 +1179,7 @@
           <a:p>
             <a:fld id="{1D723CC4-A043-4174-9E7E-F31E8825CB11}" type="datetimeFigureOut">
               <a:rPr lang="ru-RU" smtClean="0"/>
-              <a:t>15.01.2022</a:t>
+              <a:t>17.01.2022</a:t>
             </a:fld>
             <a:endParaRPr lang="ru-RU"/>
           </a:p>
@@ -1505,7 +1505,7 @@
           <a:p>
             <a:fld id="{1D723CC4-A043-4174-9E7E-F31E8825CB11}" type="datetimeFigureOut">
               <a:rPr lang="ru-RU" smtClean="0"/>
-              <a:t>15.01.2022</a:t>
+              <a:t>17.01.2022</a:t>
             </a:fld>
             <a:endParaRPr lang="ru-RU"/>
           </a:p>
@@ -1930,7 +1930,7 @@
           <a:p>
             <a:fld id="{1D723CC4-A043-4174-9E7E-F31E8825CB11}" type="datetimeFigureOut">
               <a:rPr lang="ru-RU" smtClean="0"/>
-              <a:t>15.01.2022</a:t>
+              <a:t>17.01.2022</a:t>
             </a:fld>
             <a:endParaRPr lang="ru-RU"/>
           </a:p>
@@ -2103,7 +2103,7 @@
           <a:p>
             <a:fld id="{1D723CC4-A043-4174-9E7E-F31E8825CB11}" type="datetimeFigureOut">
               <a:rPr lang="ru-RU" smtClean="0"/>
-              <a:t>15.01.2022</a:t>
+              <a:t>17.01.2022</a:t>
             </a:fld>
             <a:endParaRPr lang="ru-RU"/>
           </a:p>
@@ -2193,7 +2193,7 @@
           <a:p>
             <a:fld id="{1D723CC4-A043-4174-9E7E-F31E8825CB11}" type="datetimeFigureOut">
               <a:rPr lang="ru-RU" smtClean="0"/>
-              <a:t>15.01.2022</a:t>
+              <a:t>17.01.2022</a:t>
             </a:fld>
             <a:endParaRPr lang="ru-RU"/>
           </a:p>
@@ -2473,7 +2473,7 @@
           <a:p>
             <a:fld id="{1D723CC4-A043-4174-9E7E-F31E8825CB11}" type="datetimeFigureOut">
               <a:rPr lang="ru-RU" smtClean="0"/>
-              <a:t>15.01.2022</a:t>
+              <a:t>17.01.2022</a:t>
             </a:fld>
             <a:endParaRPr lang="ru-RU"/>
           </a:p>
@@ -2772,7 +2772,7 @@
           <a:p>
             <a:fld id="{1D723CC4-A043-4174-9E7E-F31E8825CB11}" type="datetimeFigureOut">
               <a:rPr lang="ru-RU" smtClean="0"/>
-              <a:t>15.01.2022</a:t>
+              <a:t>17.01.2022</a:t>
             </a:fld>
             <a:endParaRPr lang="ru-RU"/>
           </a:p>
@@ -2982,7 +2982,7 @@
           <a:p>
             <a:fld id="{1D723CC4-A043-4174-9E7E-F31E8825CB11}" type="datetimeFigureOut">
               <a:rPr lang="ru-RU" smtClean="0"/>
-              <a:t>15.01.2022</a:t>
+              <a:t>17.01.2022</a:t>
             </a:fld>
             <a:endParaRPr lang="ru-RU"/>
           </a:p>
@@ -3775,6 +3775,42 @@
           <a:bodyPr/>
           <a:lstStyle/>
           <a:p>
+            <a:pPr marL="0" indent="0">
+              <a:buNone/>
+            </a:pPr>
+            <a:r>
+              <a:rPr lang="ru-RU" dirty="0" smtClean="0"/>
+              <a:t>Использовались классы для реализации</a:t>
+            </a:r>
+            <a:r>
+              <a:rPr lang="en-US" dirty="0" smtClean="0"/>
+              <a:t>:</a:t>
+            </a:r>
+          </a:p>
+          <a:p>
+            <a:r>
+              <a:rPr lang="en-US" dirty="0" smtClean="0"/>
+              <a:t>Class Blocks;</a:t>
+            </a:r>
+          </a:p>
+          <a:p>
+            <a:r>
+              <a:rPr lang="en-US" dirty="0" smtClean="0"/>
+              <a:t>Class Tetris.</a:t>
+            </a:r>
+          </a:p>
+          <a:p>
+            <a:pPr marL="0" indent="0">
+              <a:buNone/>
+            </a:pPr>
+            <a:r>
+              <a:rPr lang="ru-RU" dirty="0" smtClean="0"/>
+              <a:t>И </a:t>
+            </a:r>
+            <a:r>
+              <a:rPr lang="en-US" smtClean="0"/>
+              <a:t>while running</a:t>
+            </a:r>
             <a:endParaRPr lang="ru-RU" dirty="0"/>
           </a:p>
         </p:txBody>

--- a/Название проекта « Тетрис».pptx
+++ b/Название проекта « Тетрис».pptx
@@ -8,9 +8,12 @@
     <p:sldId id="256" r:id="rId2"/>
     <p:sldId id="257" r:id="rId3"/>
     <p:sldId id="262" r:id="rId4"/>
-    <p:sldId id="261" r:id="rId5"/>
-    <p:sldId id="260" r:id="rId6"/>
-    <p:sldId id="258" r:id="rId7"/>
+    <p:sldId id="265" r:id="rId5"/>
+    <p:sldId id="261" r:id="rId6"/>
+    <p:sldId id="263" r:id="rId7"/>
+    <p:sldId id="264" r:id="rId8"/>
+    <p:sldId id="260" r:id="rId9"/>
+    <p:sldId id="258" r:id="rId10"/>
   </p:sldIdLst>
   <p:sldSz cx="9144000" cy="6858000" type="screen4x3"/>
   <p:notesSz cx="6858000" cy="9144000"/>
@@ -3654,11 +3657,11 @@
           <a:lstStyle/>
           <a:p>
             <a:r>
-              <a:rPr lang="ru-RU" dirty="0" smtClean="0"/>
+              <a:rPr lang="ru-RU" smtClean="0"/>
               <a:t>Идея проекта</a:t>
             </a:r>
             <a:r>
-              <a:rPr lang="en-US" dirty="0" smtClean="0"/>
+              <a:rPr lang="en-US" smtClean="0"/>
               <a:t>:</a:t>
             </a:r>
             <a:endParaRPr lang="ru-RU" dirty="0"/>
@@ -3689,7 +3692,7 @@
               <a:buNone/>
             </a:pPr>
             <a:r>
-              <a:rPr lang="ru-RU" dirty="0" smtClean="0"/>
+              <a:rPr lang="ru-RU" smtClean="0"/>
               <a:t>В детстве у меня была маленькая электронная игра «Тетрис». Она была простая, с черно-белыми картинками, работала от батареек, которые быстро разряжались. Мне очень нравилось в неё играть. Поэтому я решила сделать сама эту игру, вспомнить свое детство.</a:t>
             </a:r>
             <a:endParaRPr lang="ru-RU" dirty="0"/>
@@ -3804,14 +3807,47 @@
               <a:buNone/>
             </a:pPr>
             <a:r>
+              <a:rPr lang="ru-RU" smtClean="0"/>
+              <a:t>И </a:t>
+            </a:r>
+            <a:r>
+              <a:rPr lang="ru-RU" smtClean="0"/>
+              <a:t>цикл </a:t>
+            </a:r>
+            <a:r>
+              <a:rPr lang="en-US" smtClean="0"/>
+              <a:t>while </a:t>
+            </a:r>
+            <a:r>
+              <a:rPr lang="en-US" dirty="0" smtClean="0"/>
+              <a:t>running</a:t>
+            </a:r>
+            <a:r>
               <a:rPr lang="ru-RU" dirty="0" smtClean="0"/>
-              <a:t>И </a:t>
-            </a:r>
-            <a:r>
-              <a:rPr lang="en-US" smtClean="0"/>
-              <a:t>while running</a:t>
-            </a:r>
-            <a:endParaRPr lang="ru-RU" dirty="0"/>
+              <a:t>, и функция </a:t>
+            </a:r>
+            <a:r>
+              <a:rPr lang="en-US" dirty="0" err="1"/>
+              <a:t>def</a:t>
+            </a:r>
+            <a:r>
+              <a:rPr lang="en-US" dirty="0"/>
+              <a:t> </a:t>
+            </a:r>
+            <a:r>
+              <a:rPr lang="en-US" dirty="0" err="1"/>
+              <a:t>start_screen</a:t>
+            </a:r>
+            <a:r>
+              <a:rPr lang="en-US" dirty="0"/>
+              <a:t>()</a:t>
+            </a:r>
+          </a:p>
+          <a:p>
+            <a:pPr marL="0" indent="0">
+              <a:buNone/>
+            </a:pPr>
+            <a:endParaRPr lang="ru-RU" dirty="0" smtClean="0"/>
           </a:p>
         </p:txBody>
       </p:sp>
@@ -3855,12 +3891,34 @@
             <p:ph type="title"/>
           </p:nvPr>
         </p:nvSpPr>
-        <p:spPr/>
-        <p:txBody>
-          <a:bodyPr/>
-          <a:lstStyle/>
-          <a:p>
-            <a:endParaRPr lang="ru-RU"/>
+        <p:spPr>
+          <a:xfrm>
+            <a:off x="755576" y="620688"/>
+            <a:ext cx="6781800" cy="864096"/>
+          </a:xfrm>
+        </p:spPr>
+        <p:txBody>
+          <a:bodyPr>
+            <a:normAutofit fontScale="90000"/>
+          </a:bodyPr>
+          <a:lstStyle/>
+          <a:p>
+            <a:r>
+              <a:rPr lang="en-US" dirty="0" err="1"/>
+              <a:t>def</a:t>
+            </a:r>
+            <a:r>
+              <a:rPr lang="en-US" dirty="0"/>
+              <a:t> </a:t>
+            </a:r>
+            <a:r>
+              <a:rPr lang="en-US" dirty="0" err="1"/>
+              <a:t>start_screen</a:t>
+            </a:r>
+            <a:r>
+              <a:rPr lang="en-US" dirty="0"/>
+              <a:t>()</a:t>
+            </a:r>
           </a:p>
         </p:txBody>
       </p:sp>
@@ -3874,19 +3932,44 @@
             <p:ph idx="1"/>
           </p:nvPr>
         </p:nvSpPr>
-        <p:spPr/>
-        <p:txBody>
-          <a:bodyPr/>
-          <a:lstStyle/>
-          <a:p>
-            <a:endParaRPr lang="ru-RU"/>
+        <p:spPr>
+          <a:xfrm>
+            <a:off x="755576" y="1700808"/>
+            <a:ext cx="7543800" cy="3600400"/>
+          </a:xfrm>
+        </p:spPr>
+        <p:txBody>
+          <a:bodyPr/>
+          <a:lstStyle/>
+          <a:p>
+            <a:r>
+              <a:rPr lang="ru-RU" dirty="0" smtClean="0"/>
+              <a:t>Эта функция создает стартовое окно. </a:t>
+            </a:r>
+            <a:r>
+              <a:rPr lang="ru-RU" dirty="0"/>
+              <a:t>О</a:t>
+            </a:r>
+            <a:r>
+              <a:rPr lang="ru-RU" dirty="0" smtClean="0"/>
+              <a:t>ткрывается картинка из </a:t>
+            </a:r>
+            <a:r>
+              <a:rPr lang="en-US" dirty="0" smtClean="0"/>
+              <a:t>data,</a:t>
+            </a:r>
+            <a:r>
+              <a:rPr lang="ru-RU" dirty="0" smtClean="0"/>
+              <a:t> создается окно, на котором я написала цель игры, играть и «Тетрис».</a:t>
+            </a:r>
+            <a:endParaRPr lang="ru-RU" dirty="0"/>
           </a:p>
         </p:txBody>
       </p:sp>
     </p:spTree>
     <p:extLst>
       <p:ext uri="{BB962C8B-B14F-4D97-AF65-F5344CB8AC3E}">
-        <p14:creationId xmlns:p14="http://schemas.microsoft.com/office/powerpoint/2010/main" val="3514466487"/>
+        <p14:creationId xmlns:p14="http://schemas.microsoft.com/office/powerpoint/2010/main" val="3490935388"/>
       </p:ext>
     </p:extLst>
   </p:cSld>
@@ -3925,6 +4008,574 @@
         </p:nvSpPr>
         <p:spPr>
           <a:xfrm>
+            <a:off x="899592" y="404664"/>
+            <a:ext cx="6781800" cy="936104"/>
+          </a:xfrm>
+        </p:spPr>
+        <p:txBody>
+          <a:bodyPr/>
+          <a:lstStyle/>
+          <a:p>
+            <a:r>
+              <a:rPr lang="en-US" dirty="0"/>
+              <a:t>Class Blocks</a:t>
+            </a:r>
+            <a:endParaRPr lang="ru-RU" dirty="0"/>
+          </a:p>
+        </p:txBody>
+      </p:sp>
+      <p:sp>
+        <p:nvSpPr>
+          <p:cNvPr id="3" name="Объект 2"/>
+          <p:cNvSpPr>
+            <a:spLocks noGrp="1"/>
+          </p:cNvSpPr>
+          <p:nvPr>
+            <p:ph idx="1"/>
+          </p:nvPr>
+        </p:nvSpPr>
+        <p:spPr>
+          <a:xfrm>
+            <a:off x="467544" y="1412776"/>
+            <a:ext cx="8064896" cy="2376264"/>
+          </a:xfrm>
+        </p:spPr>
+        <p:txBody>
+          <a:bodyPr>
+            <a:normAutofit/>
+          </a:bodyPr>
+          <a:lstStyle/>
+          <a:p>
+            <a:pPr marL="0" indent="0" algn="just">
+              <a:buNone/>
+            </a:pPr>
+            <a:r>
+              <a:rPr lang="ru-RU" dirty="0" smtClean="0"/>
+              <a:t>В этом классе я создала список с блоками, которые составляются с помощью цифр(от 0 до 16), и список с цветами. В самой игре тетрис 7 различных фигур. Так же я в этом классе реализовала функцию, которая выбирает случайный цвет и фигуру. И две функции для вращения блока и возвращения этого значения.</a:t>
+            </a:r>
+          </a:p>
+          <a:p>
+            <a:pPr marL="0" indent="0">
+              <a:buNone/>
+            </a:pPr>
+            <a:endParaRPr lang="ru-RU" dirty="0"/>
+          </a:p>
+        </p:txBody>
+      </p:sp>
+      <p:pic>
+        <p:nvPicPr>
+          <p:cNvPr id="1026" name="Picture 2"/>
+          <p:cNvPicPr>
+            <a:picLocks noChangeAspect="1" noChangeArrowheads="1"/>
+          </p:cNvPicPr>
+          <p:nvPr/>
+        </p:nvPicPr>
+        <p:blipFill>
+          <a:blip r:embed="rId2">
+            <a:extLst>
+              <a:ext uri="{28A0092B-C50C-407E-A947-70E740481C1C}">
+                <a14:useLocalDpi xmlns:a14="http://schemas.microsoft.com/office/drawing/2010/main" val="0"/>
+              </a:ext>
+            </a:extLst>
+          </a:blip>
+          <a:srcRect/>
+          <a:stretch>
+            <a:fillRect/>
+          </a:stretch>
+        </p:blipFill>
+        <p:spPr bwMode="auto">
+          <a:xfrm>
+            <a:off x="251520" y="4221088"/>
+            <a:ext cx="8721824" cy="1817047"/>
+          </a:xfrm>
+          <a:prstGeom prst="rect">
+            <a:avLst/>
+          </a:prstGeom>
+          <a:noFill/>
+          <a:ln>
+            <a:noFill/>
+          </a:ln>
+          <a:effectLst/>
+          <a:extLst>
+            <a:ext uri="{909E8E84-426E-40DD-AFC4-6F175D3DCCD1}">
+              <a14:hiddenFill xmlns:a14="http://schemas.microsoft.com/office/drawing/2010/main">
+                <a:solidFill>
+                  <a:schemeClr val="accent1"/>
+                </a:solidFill>
+              </a14:hiddenFill>
+            </a:ext>
+            <a:ext uri="{91240B29-F687-4F45-9708-019B960494DF}">
+              <a14:hiddenLine xmlns:a14="http://schemas.microsoft.com/office/drawing/2010/main" w="9525">
+                <a:solidFill>
+                  <a:schemeClr val="tx1"/>
+                </a:solidFill>
+                <a:miter lim="800000"/>
+                <a:headEnd/>
+                <a:tailEnd/>
+              </a14:hiddenLine>
+            </a:ext>
+            <a:ext uri="{AF507438-7753-43E0-B8FC-AC1667EBCBE1}">
+              <a14:hiddenEffects xmlns:a14="http://schemas.microsoft.com/office/drawing/2010/main">
+                <a:effectLst>
+                  <a:outerShdw dist="35921" dir="2700000" algn="ctr" rotWithShape="0">
+                    <a:schemeClr val="bg2"/>
+                  </a:outerShdw>
+                </a:effectLst>
+              </a14:hiddenEffects>
+            </a:ext>
+          </a:extLst>
+        </p:spPr>
+      </p:pic>
+    </p:spTree>
+    <p:extLst>
+      <p:ext uri="{BB962C8B-B14F-4D97-AF65-F5344CB8AC3E}">
+        <p14:creationId xmlns:p14="http://schemas.microsoft.com/office/powerpoint/2010/main" val="3514466487"/>
+      </p:ext>
+    </p:extLst>
+  </p:cSld>
+  <p:clrMapOvr>
+    <a:masterClrMapping/>
+  </p:clrMapOvr>
+</p:sld>
+</file>
+
+<file path=ppt/slides/slide6.xml><?xml version="1.0" encoding="utf-8"?>
+<p:sld xmlns:a="http://schemas.openxmlformats.org/drawingml/2006/main" xmlns:r="http://schemas.openxmlformats.org/officeDocument/2006/relationships" xmlns:p="http://schemas.openxmlformats.org/presentationml/2006/main">
+  <p:cSld>
+    <p:spTree>
+      <p:nvGrpSpPr>
+        <p:cNvPr id="1" name=""/>
+        <p:cNvGrpSpPr/>
+        <p:nvPr/>
+      </p:nvGrpSpPr>
+      <p:grpSpPr>
+        <a:xfrm>
+          <a:off x="0" y="0"/>
+          <a:ext cx="0" cy="0"/>
+          <a:chOff x="0" y="0"/>
+          <a:chExt cx="0" cy="0"/>
+        </a:xfrm>
+      </p:grpSpPr>
+      <p:sp>
+        <p:nvSpPr>
+          <p:cNvPr id="2" name="Заголовок 1"/>
+          <p:cNvSpPr>
+            <a:spLocks noGrp="1"/>
+          </p:cNvSpPr>
+          <p:nvPr>
+            <p:ph type="title"/>
+          </p:nvPr>
+        </p:nvSpPr>
+        <p:spPr>
+          <a:xfrm>
+            <a:off x="827584" y="476672"/>
+            <a:ext cx="7488832" cy="936104"/>
+          </a:xfrm>
+        </p:spPr>
+        <p:txBody>
+          <a:bodyPr>
+            <a:normAutofit/>
+          </a:bodyPr>
+          <a:lstStyle/>
+          <a:p>
+            <a:r>
+              <a:rPr lang="en-US" dirty="0"/>
+              <a:t>Class Tetris</a:t>
+            </a:r>
+            <a:endParaRPr lang="ru-RU" dirty="0"/>
+          </a:p>
+        </p:txBody>
+      </p:sp>
+      <p:sp>
+        <p:nvSpPr>
+          <p:cNvPr id="3" name="Объект 2"/>
+          <p:cNvSpPr>
+            <a:spLocks noGrp="1"/>
+          </p:cNvSpPr>
+          <p:nvPr>
+            <p:ph idx="1"/>
+          </p:nvPr>
+        </p:nvSpPr>
+        <p:spPr>
+          <a:xfrm>
+            <a:off x="971600" y="1484784"/>
+            <a:ext cx="7543800" cy="3960440"/>
+          </a:xfrm>
+        </p:spPr>
+        <p:txBody>
+          <a:bodyPr>
+            <a:normAutofit fontScale="92500" lnSpcReduction="20000"/>
+          </a:bodyPr>
+          <a:lstStyle/>
+          <a:p>
+            <a:pPr marL="0" indent="0">
+              <a:buNone/>
+            </a:pPr>
+            <a:r>
+              <a:rPr lang="ru-RU" dirty="0" smtClean="0"/>
+              <a:t>В этом классе я реализовала сам функционал игры. Для этого мне понадобились функции, такие как</a:t>
+            </a:r>
+            <a:r>
+              <a:rPr lang="en-US" dirty="0" smtClean="0"/>
+              <a:t>:</a:t>
+            </a:r>
+            <a:endParaRPr lang="ru-RU" dirty="0" smtClean="0"/>
+          </a:p>
+          <a:p>
+            <a:r>
+              <a:rPr lang="ru-RU" dirty="0" smtClean="0"/>
+              <a:t> </a:t>
+            </a:r>
+            <a:r>
+              <a:rPr lang="en-US" dirty="0" err="1"/>
+              <a:t>def</a:t>
+            </a:r>
+            <a:r>
+              <a:rPr lang="en-US" dirty="0"/>
+              <a:t> __</a:t>
+            </a:r>
+            <a:r>
+              <a:rPr lang="en-US" dirty="0" err="1"/>
+              <a:t>init</a:t>
+            </a:r>
+            <a:r>
+              <a:rPr lang="en-US" dirty="0" smtClean="0"/>
+              <a:t>__</a:t>
+            </a:r>
+            <a:r>
+              <a:rPr lang="ru-RU" dirty="0" smtClean="0"/>
+              <a:t>, которая позволила создать игровое поле с нулями</a:t>
+            </a:r>
+            <a:r>
+              <a:rPr lang="en-US" dirty="0" smtClean="0"/>
+              <a:t>;</a:t>
+            </a:r>
+            <a:r>
+              <a:rPr lang="ru-RU" dirty="0" smtClean="0"/>
+              <a:t> </a:t>
+            </a:r>
+          </a:p>
+          <a:p>
+            <a:r>
+              <a:rPr lang="en-US" dirty="0" err="1" smtClean="0"/>
+              <a:t>def</a:t>
+            </a:r>
+            <a:r>
+              <a:rPr lang="en-US" dirty="0" smtClean="0"/>
+              <a:t> </a:t>
+            </a:r>
+            <a:r>
+              <a:rPr lang="en-US" dirty="0" err="1"/>
+              <a:t>new_block</a:t>
+            </a:r>
+            <a:r>
+              <a:rPr lang="en-US" dirty="0"/>
+              <a:t>(self</a:t>
+            </a:r>
+            <a:r>
+              <a:rPr lang="en-US" dirty="0" smtClean="0"/>
+              <a:t>)</a:t>
+            </a:r>
+            <a:r>
+              <a:rPr lang="ru-RU" dirty="0" smtClean="0"/>
+              <a:t>, которая создает фигуру из класса </a:t>
+            </a:r>
+            <a:r>
+              <a:rPr lang="en-US" dirty="0" smtClean="0"/>
+              <a:t>Blocks;</a:t>
+            </a:r>
+            <a:endParaRPr lang="ru-RU" dirty="0" smtClean="0"/>
+          </a:p>
+          <a:p>
+            <a:r>
+              <a:rPr lang="en-US" dirty="0" err="1"/>
+              <a:t>def</a:t>
+            </a:r>
+            <a:r>
+              <a:rPr lang="en-US" dirty="0"/>
+              <a:t> </a:t>
+            </a:r>
+            <a:r>
+              <a:rPr lang="en-US" dirty="0" err="1"/>
+              <a:t>break_lines</a:t>
+            </a:r>
+            <a:r>
+              <a:rPr lang="en-US" dirty="0"/>
+              <a:t>(self</a:t>
+            </a:r>
+            <a:r>
+              <a:rPr lang="en-US" dirty="0" smtClean="0"/>
+              <a:t>)</a:t>
+            </a:r>
+            <a:r>
+              <a:rPr lang="ru-RU" dirty="0"/>
+              <a:t> </a:t>
+            </a:r>
+            <a:r>
+              <a:rPr lang="ru-RU" dirty="0" smtClean="0"/>
+              <a:t>считывает заполненные линии и очки. В данной игре очки считываются так</a:t>
+            </a:r>
+            <a:r>
+              <a:rPr lang="en-US" dirty="0" smtClean="0"/>
+              <a:t>: </a:t>
+            </a:r>
+            <a:r>
+              <a:rPr lang="ru-RU" dirty="0" smtClean="0"/>
+              <a:t> Количество </a:t>
+            </a:r>
+            <a:r>
+              <a:rPr lang="ru-RU" dirty="0" err="1" smtClean="0"/>
+              <a:t>заполененных</a:t>
+            </a:r>
+            <a:r>
+              <a:rPr lang="ru-RU" dirty="0" smtClean="0"/>
+              <a:t> линий за раз в квадрате</a:t>
+            </a:r>
+            <a:r>
+              <a:rPr lang="en-US" dirty="0" smtClean="0"/>
+              <a:t>;</a:t>
+            </a:r>
+            <a:endParaRPr lang="ru-RU" dirty="0" smtClean="0"/>
+          </a:p>
+          <a:p>
+            <a:r>
+              <a:rPr lang="en-US" dirty="0" err="1"/>
+              <a:t>def</a:t>
+            </a:r>
+            <a:r>
+              <a:rPr lang="en-US" dirty="0"/>
+              <a:t> </a:t>
+            </a:r>
+            <a:r>
+              <a:rPr lang="en-US" dirty="0" smtClean="0"/>
+              <a:t>freeze(self)</a:t>
+            </a:r>
+            <a:r>
+              <a:rPr lang="ru-RU" dirty="0"/>
+              <a:t> </a:t>
+            </a:r>
+            <a:r>
+              <a:rPr lang="ru-RU" dirty="0" smtClean="0"/>
+              <a:t>для «заморозки» фигуры</a:t>
+            </a:r>
+            <a:r>
+              <a:rPr lang="en-US" dirty="0" smtClean="0"/>
+              <a:t>;</a:t>
+            </a:r>
+          </a:p>
+          <a:p>
+            <a:r>
+              <a:rPr lang="en-US" dirty="0" err="1"/>
+              <a:t>def</a:t>
+            </a:r>
+            <a:r>
+              <a:rPr lang="en-US" dirty="0"/>
+              <a:t> </a:t>
+            </a:r>
+            <a:r>
+              <a:rPr lang="en-US" dirty="0" err="1"/>
+              <a:t>go_space</a:t>
+            </a:r>
+            <a:r>
+              <a:rPr lang="en-US" dirty="0"/>
+              <a:t>(self), </a:t>
+            </a:r>
+            <a:r>
+              <a:rPr lang="en-US" dirty="0" err="1"/>
+              <a:t>def</a:t>
+            </a:r>
+            <a:r>
+              <a:rPr lang="en-US" dirty="0"/>
+              <a:t> </a:t>
+            </a:r>
+            <a:r>
+              <a:rPr lang="en-US" dirty="0" err="1"/>
+              <a:t>go_down</a:t>
+            </a:r>
+            <a:r>
+              <a:rPr lang="en-US" dirty="0"/>
+              <a:t>(self), </a:t>
+            </a:r>
+            <a:r>
+              <a:rPr lang="en-US" dirty="0" err="1"/>
+              <a:t>def</a:t>
+            </a:r>
+            <a:r>
+              <a:rPr lang="en-US" dirty="0"/>
+              <a:t> </a:t>
+            </a:r>
+            <a:r>
+              <a:rPr lang="en-US" dirty="0" err="1"/>
+              <a:t>go_side</a:t>
+            </a:r>
+            <a:r>
+              <a:rPr lang="en-US" dirty="0"/>
+              <a:t>(self, dx), </a:t>
+            </a:r>
+            <a:r>
+              <a:rPr lang="en-US" dirty="0" err="1"/>
+              <a:t>def</a:t>
+            </a:r>
+            <a:r>
+              <a:rPr lang="en-US" dirty="0"/>
+              <a:t> rotate(self</a:t>
+            </a:r>
+            <a:r>
+              <a:rPr lang="en-US" dirty="0" smtClean="0"/>
+              <a:t>) </a:t>
+            </a:r>
+            <a:r>
+              <a:rPr lang="ru-RU" dirty="0" smtClean="0"/>
+              <a:t> для перемещения</a:t>
+            </a:r>
+            <a:endParaRPr lang="en-US" dirty="0" smtClean="0"/>
+          </a:p>
+          <a:p>
+            <a:endParaRPr lang="en-US" dirty="0"/>
+          </a:p>
+        </p:txBody>
+      </p:sp>
+    </p:spTree>
+    <p:extLst>
+      <p:ext uri="{BB962C8B-B14F-4D97-AF65-F5344CB8AC3E}">
+        <p14:creationId xmlns:p14="http://schemas.microsoft.com/office/powerpoint/2010/main" val="2559656564"/>
+      </p:ext>
+    </p:extLst>
+  </p:cSld>
+  <p:clrMapOvr>
+    <a:masterClrMapping/>
+  </p:clrMapOvr>
+</p:sld>
+</file>
+
+<file path=ppt/slides/slide7.xml><?xml version="1.0" encoding="utf-8"?>
+<p:sld xmlns:a="http://schemas.openxmlformats.org/drawingml/2006/main" xmlns:r="http://schemas.openxmlformats.org/officeDocument/2006/relationships" xmlns:p="http://schemas.openxmlformats.org/presentationml/2006/main">
+  <p:cSld>
+    <p:spTree>
+      <p:nvGrpSpPr>
+        <p:cNvPr id="1" name=""/>
+        <p:cNvGrpSpPr/>
+        <p:nvPr/>
+      </p:nvGrpSpPr>
+      <p:grpSpPr>
+        <a:xfrm>
+          <a:off x="0" y="0"/>
+          <a:ext cx="0" cy="0"/>
+          <a:chOff x="0" y="0"/>
+          <a:chExt cx="0" cy="0"/>
+        </a:xfrm>
+      </p:grpSpPr>
+      <p:sp>
+        <p:nvSpPr>
+          <p:cNvPr id="2" name="Заголовок 1"/>
+          <p:cNvSpPr>
+            <a:spLocks noGrp="1"/>
+          </p:cNvSpPr>
+          <p:nvPr>
+            <p:ph type="title"/>
+          </p:nvPr>
+        </p:nvSpPr>
+        <p:spPr>
+          <a:xfrm>
+            <a:off x="827584" y="692696"/>
+            <a:ext cx="6781800" cy="936104"/>
+          </a:xfrm>
+        </p:spPr>
+        <p:txBody>
+          <a:bodyPr>
+            <a:normAutofit/>
+          </a:bodyPr>
+          <a:lstStyle/>
+          <a:p>
+            <a:r>
+              <a:rPr lang="ru-RU" dirty="0" smtClean="0"/>
+              <a:t>Цикл </a:t>
+            </a:r>
+            <a:r>
+              <a:rPr lang="en-US" dirty="0" smtClean="0"/>
+              <a:t>While </a:t>
+            </a:r>
+            <a:r>
+              <a:rPr lang="en-US" dirty="0" smtClean="0"/>
+              <a:t>running</a:t>
+            </a:r>
+            <a:endParaRPr lang="ru-RU" dirty="0"/>
+          </a:p>
+        </p:txBody>
+      </p:sp>
+      <p:sp>
+        <p:nvSpPr>
+          <p:cNvPr id="3" name="Объект 2"/>
+          <p:cNvSpPr>
+            <a:spLocks noGrp="1"/>
+          </p:cNvSpPr>
+          <p:nvPr>
+            <p:ph idx="1"/>
+          </p:nvPr>
+        </p:nvSpPr>
+        <p:spPr>
+          <a:xfrm>
+            <a:off x="827584" y="1772816"/>
+            <a:ext cx="7344816" cy="3600400"/>
+          </a:xfrm>
+        </p:spPr>
+        <p:txBody>
+          <a:bodyPr/>
+          <a:lstStyle/>
+          <a:p>
+            <a:pPr marL="0" indent="0">
+              <a:buNone/>
+            </a:pPr>
+            <a:r>
+              <a:rPr lang="ru-RU" dirty="0" smtClean="0"/>
+              <a:t>Здесь я реализовала функции кнопок для взаимодействия с фигурами. Так же подключила базу данных для считывания и вывода рекорда в игре.</a:t>
+            </a:r>
+            <a:endParaRPr lang="ru-RU" dirty="0"/>
+          </a:p>
+        </p:txBody>
+      </p:sp>
+    </p:spTree>
+    <p:extLst>
+      <p:ext uri="{BB962C8B-B14F-4D97-AF65-F5344CB8AC3E}">
+        <p14:creationId xmlns:p14="http://schemas.microsoft.com/office/powerpoint/2010/main" val="2794535572"/>
+      </p:ext>
+    </p:extLst>
+  </p:cSld>
+  <p:clrMapOvr>
+    <a:masterClrMapping/>
+  </p:clrMapOvr>
+</p:sld>
+</file>
+
+<file path=ppt/slides/slide8.xml><?xml version="1.0" encoding="utf-8"?>
+<p:sld xmlns:a="http://schemas.openxmlformats.org/drawingml/2006/main" xmlns:r="http://schemas.openxmlformats.org/officeDocument/2006/relationships" xmlns:p="http://schemas.openxmlformats.org/presentationml/2006/main">
+  <p:cSld>
+    <p:spTree>
+      <p:nvGrpSpPr>
+        <p:cNvPr id="1" name=""/>
+        <p:cNvGrpSpPr/>
+        <p:nvPr/>
+      </p:nvGrpSpPr>
+      <p:grpSpPr>
+        <a:xfrm>
+          <a:off x="0" y="0"/>
+          <a:ext cx="0" cy="0"/>
+          <a:chOff x="0" y="0"/>
+          <a:chExt cx="0" cy="0"/>
+        </a:xfrm>
+      </p:grpSpPr>
+      <p:sp>
+        <p:nvSpPr>
+          <p:cNvPr id="2" name="Заголовок 1"/>
+          <p:cNvSpPr>
+            <a:spLocks noGrp="1"/>
+          </p:cNvSpPr>
+          <p:nvPr>
+            <p:ph type="title"/>
+          </p:nvPr>
+        </p:nvSpPr>
+        <p:spPr>
+          <a:xfrm>
             <a:off x="899592" y="260648"/>
             <a:ext cx="6781800" cy="1600200"/>
           </a:xfrm>
@@ -3981,7 +4632,7 @@
 </p:sld>
 </file>
 
-<file path=ppt/slides/slide6.xml><?xml version="1.0" encoding="utf-8"?>
+<file path=ppt/slides/slide9.xml><?xml version="1.0" encoding="utf-8"?>
 <p:sld xmlns:a="http://schemas.openxmlformats.org/drawingml/2006/main" xmlns:r="http://schemas.openxmlformats.org/officeDocument/2006/relationships" xmlns:p="http://schemas.openxmlformats.org/presentationml/2006/main">
   <p:cSld>
     <p:spTree>
